--- a/004 - Operators in JavaScript/lesson 1.pptx
+++ b/004 - Operators in JavaScript/lesson 1.pptx
@@ -211,7 +211,7 @@
           <a:p>
             <a:fld id="{69FEFA89-3701-4FEC-B981-815C4394CFB8}" type="datetimeFigureOut">
               <a:rPr lang="en-US" smtClean="0"/>
-              <a:t>2/12/2026</a:t>
+              <a:t>2/17/2026</a:t>
             </a:fld>
             <a:endParaRPr lang="en-US"/>
           </a:p>
@@ -2349,7 +2349,7 @@
           <a:p>
             <a:fld id="{6A59C4F4-3DD9-4055-A209-045B0C67609D}" type="datetimeFigureOut">
               <a:rPr lang="en-US" smtClean="0"/>
-              <a:t>2/12/2026</a:t>
+              <a:t>2/17/2026</a:t>
             </a:fld>
             <a:endParaRPr lang="en-US"/>
           </a:p>
@@ -2547,7 +2547,7 @@
           <a:p>
             <a:fld id="{6A59C4F4-3DD9-4055-A209-045B0C67609D}" type="datetimeFigureOut">
               <a:rPr lang="en-US" smtClean="0"/>
-              <a:t>2/12/2026</a:t>
+              <a:t>2/17/2026</a:t>
             </a:fld>
             <a:endParaRPr lang="en-US"/>
           </a:p>
@@ -2755,7 +2755,7 @@
           <a:p>
             <a:fld id="{6A59C4F4-3DD9-4055-A209-045B0C67609D}" type="datetimeFigureOut">
               <a:rPr lang="en-US" smtClean="0"/>
-              <a:t>2/12/2026</a:t>
+              <a:t>2/17/2026</a:t>
             </a:fld>
             <a:endParaRPr lang="en-US"/>
           </a:p>
@@ -7034,7 +7034,7 @@
           <a:p>
             <a:fld id="{6A59C4F4-3DD9-4055-A209-045B0C67609D}" type="datetimeFigureOut">
               <a:rPr lang="en-US" smtClean="0"/>
-              <a:t>2/12/2026</a:t>
+              <a:t>2/17/2026</a:t>
             </a:fld>
             <a:endParaRPr lang="en-US"/>
           </a:p>
@@ -7309,7 +7309,7 @@
           <a:p>
             <a:fld id="{6A59C4F4-3DD9-4055-A209-045B0C67609D}" type="datetimeFigureOut">
               <a:rPr lang="en-US" smtClean="0"/>
-              <a:t>2/12/2026</a:t>
+              <a:t>2/17/2026</a:t>
             </a:fld>
             <a:endParaRPr lang="en-US"/>
           </a:p>
@@ -7574,7 +7574,7 @@
           <a:p>
             <a:fld id="{6A59C4F4-3DD9-4055-A209-045B0C67609D}" type="datetimeFigureOut">
               <a:rPr lang="en-US" smtClean="0"/>
-              <a:t>2/12/2026</a:t>
+              <a:t>2/17/2026</a:t>
             </a:fld>
             <a:endParaRPr lang="en-US"/>
           </a:p>
@@ -7986,7 +7986,7 @@
           <a:p>
             <a:fld id="{6A59C4F4-3DD9-4055-A209-045B0C67609D}" type="datetimeFigureOut">
               <a:rPr lang="en-US" smtClean="0"/>
-              <a:t>2/12/2026</a:t>
+              <a:t>2/17/2026</a:t>
             </a:fld>
             <a:endParaRPr lang="en-US"/>
           </a:p>
@@ -8127,7 +8127,7 @@
           <a:p>
             <a:fld id="{6A59C4F4-3DD9-4055-A209-045B0C67609D}" type="datetimeFigureOut">
               <a:rPr lang="en-US" smtClean="0"/>
-              <a:t>2/12/2026</a:t>
+              <a:t>2/17/2026</a:t>
             </a:fld>
             <a:endParaRPr lang="en-US"/>
           </a:p>
@@ -8240,7 +8240,7 @@
           <a:p>
             <a:fld id="{6A59C4F4-3DD9-4055-A209-045B0C67609D}" type="datetimeFigureOut">
               <a:rPr lang="en-US" smtClean="0"/>
-              <a:t>2/12/2026</a:t>
+              <a:t>2/17/2026</a:t>
             </a:fld>
             <a:endParaRPr lang="en-US"/>
           </a:p>
@@ -8551,7 +8551,7 @@
           <a:p>
             <a:fld id="{6A59C4F4-3DD9-4055-A209-045B0C67609D}" type="datetimeFigureOut">
               <a:rPr lang="en-US" smtClean="0"/>
-              <a:t>2/12/2026</a:t>
+              <a:t>2/17/2026</a:t>
             </a:fld>
             <a:endParaRPr lang="en-US"/>
           </a:p>
@@ -8839,7 +8839,7 @@
           <a:p>
             <a:fld id="{6A59C4F4-3DD9-4055-A209-045B0C67609D}" type="datetimeFigureOut">
               <a:rPr lang="en-US" smtClean="0"/>
-              <a:t>2/12/2026</a:t>
+              <a:t>2/17/2026</a:t>
             </a:fld>
             <a:endParaRPr lang="en-US"/>
           </a:p>
@@ -9080,7 +9080,7 @@
           <a:p>
             <a:fld id="{6A59C4F4-3DD9-4055-A209-045B0C67609D}" type="datetimeFigureOut">
               <a:rPr lang="en-US" smtClean="0"/>
-              <a:t>2/12/2026</a:t>
+              <a:t>2/17/2026</a:t>
             </a:fld>
             <a:endParaRPr lang="en-US"/>
           </a:p>
